--- a/open house algo.pptx
+++ b/open house algo.pptx
@@ -15771,7 +15771,7 @@
           </a:ln>
           <a:extLst>
             <a:ext uri="{C572A759-6A51-4108-AA02-DFA0A04FC94B}">
-              <ma14:wrappingTextBoxFlag xmlns="" xmlns:ma14="http://schemas.microsoft.com/office/mac/drawingml/2011/main" val="1"/>
+              <ma14:wrappingTextBoxFlag xmlns:ma14="http://schemas.microsoft.com/office/mac/drawingml/2011/main" xmlns="" val="1"/>
             </a:ext>
           </a:extLst>
         </p:spPr>
@@ -15810,7 +15810,7 @@
           </a:ln>
           <a:extLst>
             <a:ext uri="{C572A759-6A51-4108-AA02-DFA0A04FC94B}">
-              <ma14:wrappingTextBoxFlag xmlns="" xmlns:ma14="http://schemas.microsoft.com/office/mac/drawingml/2011/main" val="1"/>
+              <ma14:wrappingTextBoxFlag xmlns:ma14="http://schemas.microsoft.com/office/mac/drawingml/2011/main" xmlns="" val="1"/>
             </a:ext>
           </a:extLst>
         </p:spPr>
@@ -19854,7 +19854,7 @@
           </a:ln>
           <a:extLst>
             <a:ext uri="{C572A759-6A51-4108-AA02-DFA0A04FC94B}">
-              <ma14:wrappingTextBoxFlag xmlns="" xmlns:ma14="http://schemas.microsoft.com/office/mac/drawingml/2011/main" val="1"/>
+              <ma14:wrappingTextBoxFlag xmlns:ma14="http://schemas.microsoft.com/office/mac/drawingml/2011/main" xmlns="" val="1"/>
             </a:ext>
           </a:extLst>
         </p:spPr>
@@ -23080,7 +23080,7 @@
           </a:ln>
           <a:extLst>
             <a:ext uri="{C572A759-6A51-4108-AA02-DFA0A04FC94B}">
-              <ma14:wrappingTextBoxFlag xmlns:ma14="http://schemas.microsoft.com/office/mac/drawingml/2011/main" xmlns="" val="1"/>
+              <ma14:wrappingTextBoxFlag xmlns="" xmlns:ma14="http://schemas.microsoft.com/office/mac/drawingml/2011/main" val="1"/>
             </a:ext>
           </a:extLst>
         </p:spPr>
@@ -23724,7 +23724,7 @@
           </a:ln>
           <a:extLst>
             <a:ext uri="{C572A759-6A51-4108-AA02-DFA0A04FC94B}">
-              <ma14:wrappingTextBoxFlag xmlns="" xmlns:ma14="http://schemas.microsoft.com/office/mac/drawingml/2011/main" val="1"/>
+              <ma14:wrappingTextBoxFlag xmlns:ma14="http://schemas.microsoft.com/office/mac/drawingml/2011/main" xmlns="" val="1"/>
             </a:ext>
           </a:extLst>
         </p:spPr>
@@ -23779,7 +23779,7 @@
           </a:ln>
           <a:extLst>
             <a:ext uri="{C572A759-6A51-4108-AA02-DFA0A04FC94B}">
-              <ma14:wrappingTextBoxFlag xmlns="" xmlns:ma14="http://schemas.microsoft.com/office/mac/drawingml/2011/main" val="1"/>
+              <ma14:wrappingTextBoxFlag xmlns:ma14="http://schemas.microsoft.com/office/mac/drawingml/2011/main" xmlns="" val="1"/>
             </a:ext>
           </a:extLst>
         </p:spPr>
@@ -24631,7 +24631,7 @@
           </a:ln>
           <a:extLst>
             <a:ext uri="{C572A759-6A51-4108-AA02-DFA0A04FC94B}">
-              <ma14:wrappingTextBoxFlag xmlns:ma14="http://schemas.microsoft.com/office/mac/drawingml/2011/main" xmlns="" val="1"/>
+              <ma14:wrappingTextBoxFlag xmlns="" xmlns:ma14="http://schemas.microsoft.com/office/mac/drawingml/2011/main" val="1"/>
             </a:ext>
           </a:extLst>
         </p:spPr>
@@ -24686,7 +24686,7 @@
           </a:ln>
           <a:extLst>
             <a:ext uri="{C572A759-6A51-4108-AA02-DFA0A04FC94B}">
-              <ma14:wrappingTextBoxFlag xmlns:ma14="http://schemas.microsoft.com/office/mac/drawingml/2011/main" xmlns="" val="1"/>
+              <ma14:wrappingTextBoxFlag xmlns="" xmlns:ma14="http://schemas.microsoft.com/office/mac/drawingml/2011/main" val="1"/>
             </a:ext>
           </a:extLst>
         </p:spPr>
@@ -26161,7 +26161,7 @@
           </a:ln>
           <a:extLst>
             <a:ext uri="{C572A759-6A51-4108-AA02-DFA0A04FC94B}">
-              <ma14:wrappingTextBoxFlag xmlns="" xmlns:ma14="http://schemas.microsoft.com/office/mac/drawingml/2011/main" val="1"/>
+              <ma14:wrappingTextBoxFlag xmlns:ma14="http://schemas.microsoft.com/office/mac/drawingml/2011/main" xmlns="" val="1"/>
             </a:ext>
           </a:extLst>
         </p:spPr>
@@ -27376,7 +27376,7 @@
           </a:ln>
           <a:extLst>
             <a:ext uri="{C572A759-6A51-4108-AA02-DFA0A04FC94B}">
-              <ma14:wrappingTextBoxFlag xmlns="" xmlns:ma14="http://schemas.microsoft.com/office/mac/drawingml/2011/main" val="1"/>
+              <ma14:wrappingTextBoxFlag xmlns:ma14="http://schemas.microsoft.com/office/mac/drawingml/2011/main" xmlns="" val="1"/>
             </a:ext>
           </a:extLst>
         </p:spPr>
@@ -28238,7 +28238,7 @@
           </a:ln>
           <a:extLst>
             <a:ext uri="{C572A759-6A51-4108-AA02-DFA0A04FC94B}">
-              <ma14:wrappingTextBoxFlag xmlns:ma14="http://schemas.microsoft.com/office/mac/drawingml/2011/main" xmlns="" val="1"/>
+              <ma14:wrappingTextBoxFlag xmlns="" xmlns:ma14="http://schemas.microsoft.com/office/mac/drawingml/2011/main" val="1"/>
             </a:ext>
           </a:extLst>
         </p:spPr>
